--- a/3. Sustainable Transport and Distribution Logistics/Course/9. Road Transport Goods Owner's Price Agreement/012 29 nov Övn Utrikes vägtransport varuägarens prisavtal.pptx
+++ b/3. Sustainable Transport and Distribution Logistics/Course/9. Road Transport Goods Owner's Price Agreement/012 29 nov Övn Utrikes vägtransport varuägarens prisavtal.pptx
@@ -198,7 +198,7 @@
           <a:p>
             <a:fld id="{45471E0B-92BA-43D9-AE8B-906EAD0A327C}" type="datetimeFigureOut">
               <a:rPr lang="sv-SE" smtClean="0"/>
-              <a:t>2023-11-29</a:t>
+              <a:t>2023-12-14</a:t>
             </a:fld>
             <a:endParaRPr lang="sv-SE"/>
           </a:p>
@@ -509,6 +509,16 @@
           <a:bodyPr/>
           <a:lstStyle/>
           <a:p>
+            <a:r>
+              <a:rPr lang="en-GB" dirty="0"/>
+              <a:t>Benefit calculation</a:t>
+            </a:r>
+          </a:p>
+          <a:p>
+            <a:r>
+              <a:rPr lang="en-GB" dirty="0"/>
+              <a:t>The shipping cost may be lower if the weight is increased</a:t>
+            </a:r>
             <a:endParaRPr lang="sv-SE" dirty="0"/>
           </a:p>
         </p:txBody>
@@ -696,7 +706,7 @@
           <a:p>
             <a:fld id="{4E4280EF-06E3-44B3-AE06-4DBC1AF96D8C}" type="datetimeFigureOut">
               <a:rPr lang="sv-SE" smtClean="0"/>
-              <a:t>2023-11-29</a:t>
+              <a:t>2023-12-14</a:t>
             </a:fld>
             <a:endParaRPr lang="sv-SE"/>
           </a:p>
@@ -894,7 +904,7 @@
           <a:p>
             <a:fld id="{4E4280EF-06E3-44B3-AE06-4DBC1AF96D8C}" type="datetimeFigureOut">
               <a:rPr lang="sv-SE" smtClean="0"/>
-              <a:t>2023-11-29</a:t>
+              <a:t>2023-12-14</a:t>
             </a:fld>
             <a:endParaRPr lang="sv-SE"/>
           </a:p>
@@ -1102,7 +1112,7 @@
           <a:p>
             <a:fld id="{4E4280EF-06E3-44B3-AE06-4DBC1AF96D8C}" type="datetimeFigureOut">
               <a:rPr lang="sv-SE" smtClean="0"/>
-              <a:t>2023-11-29</a:t>
+              <a:t>2023-12-14</a:t>
             </a:fld>
             <a:endParaRPr lang="sv-SE"/>
           </a:p>
@@ -1300,7 +1310,7 @@
           <a:p>
             <a:fld id="{4E4280EF-06E3-44B3-AE06-4DBC1AF96D8C}" type="datetimeFigureOut">
               <a:rPr lang="sv-SE" smtClean="0"/>
-              <a:t>2023-11-29</a:t>
+              <a:t>2023-12-14</a:t>
             </a:fld>
             <a:endParaRPr lang="sv-SE"/>
           </a:p>
@@ -1575,7 +1585,7 @@
           <a:p>
             <a:fld id="{4E4280EF-06E3-44B3-AE06-4DBC1AF96D8C}" type="datetimeFigureOut">
               <a:rPr lang="sv-SE" smtClean="0"/>
-              <a:t>2023-11-29</a:t>
+              <a:t>2023-12-14</a:t>
             </a:fld>
             <a:endParaRPr lang="sv-SE"/>
           </a:p>
@@ -1840,7 +1850,7 @@
           <a:p>
             <a:fld id="{4E4280EF-06E3-44B3-AE06-4DBC1AF96D8C}" type="datetimeFigureOut">
               <a:rPr lang="sv-SE" smtClean="0"/>
-              <a:t>2023-11-29</a:t>
+              <a:t>2023-12-14</a:t>
             </a:fld>
             <a:endParaRPr lang="sv-SE"/>
           </a:p>
@@ -2252,7 +2262,7 @@
           <a:p>
             <a:fld id="{4E4280EF-06E3-44B3-AE06-4DBC1AF96D8C}" type="datetimeFigureOut">
               <a:rPr lang="sv-SE" smtClean="0"/>
-              <a:t>2023-11-29</a:t>
+              <a:t>2023-12-14</a:t>
             </a:fld>
             <a:endParaRPr lang="sv-SE"/>
           </a:p>
@@ -2393,7 +2403,7 @@
           <a:p>
             <a:fld id="{4E4280EF-06E3-44B3-AE06-4DBC1AF96D8C}" type="datetimeFigureOut">
               <a:rPr lang="sv-SE" smtClean="0"/>
-              <a:t>2023-11-29</a:t>
+              <a:t>2023-12-14</a:t>
             </a:fld>
             <a:endParaRPr lang="sv-SE"/>
           </a:p>
@@ -2506,7 +2516,7 @@
           <a:p>
             <a:fld id="{4E4280EF-06E3-44B3-AE06-4DBC1AF96D8C}" type="datetimeFigureOut">
               <a:rPr lang="sv-SE" smtClean="0"/>
-              <a:t>2023-11-29</a:t>
+              <a:t>2023-12-14</a:t>
             </a:fld>
             <a:endParaRPr lang="sv-SE"/>
           </a:p>
@@ -2817,7 +2827,7 @@
           <a:p>
             <a:fld id="{4E4280EF-06E3-44B3-AE06-4DBC1AF96D8C}" type="datetimeFigureOut">
               <a:rPr lang="sv-SE" smtClean="0"/>
-              <a:t>2023-11-29</a:t>
+              <a:t>2023-12-14</a:t>
             </a:fld>
             <a:endParaRPr lang="sv-SE"/>
           </a:p>
@@ -3105,7 +3115,7 @@
           <a:p>
             <a:fld id="{4E4280EF-06E3-44B3-AE06-4DBC1AF96D8C}" type="datetimeFigureOut">
               <a:rPr lang="sv-SE" smtClean="0"/>
-              <a:t>2023-11-29</a:t>
+              <a:t>2023-12-14</a:t>
             </a:fld>
             <a:endParaRPr lang="sv-SE"/>
           </a:p>
@@ -3346,7 +3356,7 @@
           <a:p>
             <a:fld id="{4E4280EF-06E3-44B3-AE06-4DBC1AF96D8C}" type="datetimeFigureOut">
               <a:rPr lang="sv-SE" smtClean="0"/>
-              <a:t>2023-11-29</a:t>
+              <a:t>2023-12-14</a:t>
             </a:fld>
             <a:endParaRPr lang="sv-SE"/>
           </a:p>
@@ -3950,24 +3960,6 @@
               <a:rPr lang="sv-SE" dirty="0"/>
               <a:t>5 x 326 = 1630:-</a:t>
             </a:r>
-          </a:p>
-          <a:p>
-            <a:pPr marL="457200" lvl="1" indent="0">
-              <a:buNone/>
-            </a:pPr>
-            <a:endParaRPr lang="sv-SE" dirty="0"/>
-          </a:p>
-          <a:p>
-            <a:pPr lvl="1"/>
-            <a:endParaRPr lang="sv-SE" dirty="0"/>
-          </a:p>
-          <a:p>
-            <a:pPr lvl="1"/>
-            <a:endParaRPr lang="sv-SE" dirty="0"/>
-          </a:p>
-          <a:p>
-            <a:pPr lvl="1"/>
-            <a:endParaRPr lang="sv-SE" dirty="0"/>
           </a:p>
         </p:txBody>
       </p:sp>
